--- a/DCD Mini-Project.pptx
+++ b/DCD Mini-Project.pptx
@@ -4805,8 +4805,8 @@
         </p:nvSpPr>
         <p:spPr>
           <a:xfrm>
-            <a:off x="483909" y="2059348"/>
-            <a:ext cx="8387499" cy="4147417"/>
+            <a:off x="527901" y="2057401"/>
+            <a:ext cx="9407951" cy="5857822"/>
           </a:xfrm>
           <a:prstGeom prst="rect">
             <a:avLst/>
@@ -4844,7 +4844,7 @@
               </a:spcAft>
             </a:pPr>
             <a:r>
-              <a:rPr lang="en-IN" sz="2800" kern="100" dirty="0">
+              <a:rPr lang="en-IN" sz="2400" kern="100" dirty="0">
                 <a:solidFill>
                   <a:schemeClr val="tx1">
                     <a:lumMod val="50000"/>
@@ -4858,7 +4858,17 @@
               </a:rPr>
               <a:t>References: -</a:t>
             </a:r>
-            <a:endParaRPr lang="en-IN" sz="1600" dirty="0">
+          </a:p>
+          <a:p>
+            <a:pPr>
+              <a:lnSpc>
+                <a:spcPct val="107000"/>
+              </a:lnSpc>
+              <a:spcAft>
+                <a:spcPts val="800"/>
+              </a:spcAft>
+            </a:pPr>
+            <a:endParaRPr lang="en-IN" sz="2400" kern="100" dirty="0">
               <a:solidFill>
                 <a:schemeClr val="tx1">
                   <a:lumMod val="50000"/>
@@ -4866,9 +4876,151 @@
                 </a:schemeClr>
               </a:solidFill>
               <a:effectLst/>
-              <a:latin typeface="Cambria" panose="02040503050406030204" pitchFamily="18" charset="0"/>
-              <a:ea typeface="MS Mincho" panose="02020609040205080304" pitchFamily="49" charset="-128"/>
+              <a:latin typeface="Calibri" panose="020F0502020204030204" pitchFamily="34" charset="0"/>
+              <a:ea typeface="Calibri" panose="020F0502020204030204" pitchFamily="34" charset="0"/>
               <a:cs typeface="Times New Roman" panose="02020603050405020304" pitchFamily="18" charset="0"/>
+            </a:endParaRPr>
+          </a:p>
+          <a:p>
+            <a:pPr marL="285750" indent="-285750" algn="l" fontAlgn="base">
+              <a:lnSpc>
+                <a:spcPts val="3300"/>
+              </a:lnSpc>
+              <a:spcAft>
+                <a:spcPts val="1200"/>
+              </a:spcAft>
+              <a:buFont typeface="Arial" panose="020B0604020202020204" pitchFamily="34" charset="0"/>
+              <a:buChar char="•"/>
+            </a:pPr>
+            <a:r>
+              <a:rPr lang="en-IN" sz="1600" i="0" dirty="0">
+                <a:solidFill>
+                  <a:srgbClr val="202124"/>
+                </a:solidFill>
+                <a:effectLst/>
+              </a:rPr>
+              <a:t> Brain </a:t>
+            </a:r>
+            <a:r>
+              <a:rPr lang="en-IN" sz="1600" i="0" dirty="0" err="1">
+                <a:solidFill>
+                  <a:srgbClr val="202124"/>
+                </a:solidFill>
+                <a:effectLst/>
+              </a:rPr>
+              <a:t>Tumor</a:t>
+            </a:r>
+            <a:r>
+              <a:rPr lang="en-IN" sz="1600" i="0" dirty="0">
+                <a:solidFill>
+                  <a:srgbClr val="202124"/>
+                </a:solidFill>
+                <a:effectLst/>
+              </a:rPr>
+              <a:t> MRI Dataset </a:t>
+            </a:r>
+            <a:r>
+              <a:rPr lang="en-IN" sz="1600" i="0" dirty="0">
+                <a:solidFill>
+                  <a:srgbClr val="202124"/>
+                </a:solidFill>
+                <a:effectLst/>
+                <a:hlinkClick r:id="rId2"/>
+              </a:rPr>
+              <a:t>https://www.kaggle.com/datasets/masoudnickparvar/brain-tumor-mri-dataset</a:t>
+            </a:r>
+            <a:endParaRPr lang="en-IN" sz="1600" i="0" dirty="0">
+              <a:solidFill>
+                <a:srgbClr val="202124"/>
+              </a:solidFill>
+              <a:effectLst/>
+            </a:endParaRPr>
+          </a:p>
+          <a:p>
+            <a:pPr marL="285750" indent="-285750" algn="l" fontAlgn="base">
+              <a:lnSpc>
+                <a:spcPts val="3300"/>
+              </a:lnSpc>
+              <a:spcAft>
+                <a:spcPts val="1200"/>
+              </a:spcAft>
+              <a:buFont typeface="Arial" panose="020B0604020202020204" pitchFamily="34" charset="0"/>
+              <a:buChar char="•"/>
+            </a:pPr>
+            <a:r>
+              <a:rPr lang="en-IN" sz="1600" dirty="0">
+                <a:solidFill>
+                  <a:srgbClr val="202124"/>
+                </a:solidFill>
+              </a:rPr>
+              <a:t>News Articles </a:t>
+            </a:r>
+            <a:r>
+              <a:rPr lang="en-IN" sz="1600" dirty="0">
+                <a:solidFill>
+                  <a:srgbClr val="202124"/>
+                </a:solidFill>
+                <a:hlinkClick r:id="rId3"/>
+              </a:rPr>
+              <a:t>Brain </a:t>
+            </a:r>
+            <a:r>
+              <a:rPr lang="en-IN" sz="1600" dirty="0" err="1">
+                <a:solidFill>
+                  <a:srgbClr val="202124"/>
+                </a:solidFill>
+                <a:hlinkClick r:id="rId3"/>
+              </a:rPr>
+              <a:t>Tumor</a:t>
+            </a:r>
+            <a:r>
+              <a:rPr lang="en-IN" sz="1600" dirty="0">
+                <a:solidFill>
+                  <a:srgbClr val="202124"/>
+                </a:solidFill>
+                <a:hlinkClick r:id="rId3"/>
+              </a:rPr>
+              <a:t> Deaths</a:t>
+            </a:r>
+            <a:r>
+              <a:rPr lang="en-IN" sz="1600" dirty="0">
+                <a:solidFill>
+                  <a:srgbClr val="202124"/>
+                </a:solidFill>
+              </a:rPr>
+              <a:t>  </a:t>
+            </a:r>
+            <a:r>
+              <a:rPr lang="en-IN" sz="1600" dirty="0">
+                <a:solidFill>
+                  <a:srgbClr val="202124"/>
+                </a:solidFill>
+                <a:hlinkClick r:id="rId4"/>
+              </a:rPr>
+              <a:t>cost of training doctor</a:t>
+            </a:r>
+            <a:r>
+              <a:rPr lang="en-IN" sz="1600" dirty="0">
+                <a:solidFill>
+                  <a:srgbClr val="202124"/>
+                </a:solidFill>
+              </a:rPr>
+              <a:t> </a:t>
+            </a:r>
+            <a:r>
+              <a:rPr lang="en-IN" sz="1600" dirty="0">
+                <a:solidFill>
+                  <a:srgbClr val="202124"/>
+                </a:solidFill>
+                <a:hlinkClick r:id="rId5"/>
+              </a:rPr>
+              <a:t>shortage of doctors</a:t>
+            </a:r>
+            <a:endParaRPr lang="en-IN" sz="1600" i="0" dirty="0">
+              <a:solidFill>
+                <a:srgbClr val="202124"/>
+              </a:solidFill>
+              <a:effectLst/>
             </a:endParaRPr>
           </a:p>
           <a:p>
@@ -4883,7 +5035,7 @@
               <a:buChar char=""/>
             </a:pPr>
             <a:r>
-              <a:rPr lang="en-IN" sz="1800" kern="100" dirty="0">
+              <a:rPr lang="en-IN" sz="1600" kern="100" dirty="0">
                 <a:effectLst/>
                 <a:latin typeface="Calibri" panose="020F0502020204030204" pitchFamily="34" charset="0"/>
                 <a:ea typeface="Calibri" panose="020F0502020204030204" pitchFamily="34" charset="0"/>
@@ -4891,7 +5043,7 @@
               </a:rPr>
               <a:t>Neural networks and deep learning from 3Blue1Brown </a:t>
             </a:r>
-            <a:endParaRPr lang="en-IN" sz="1600" dirty="0">
+            <a:endParaRPr lang="en-IN" sz="1400" dirty="0">
               <a:effectLst/>
               <a:latin typeface="Cambria" panose="02040503050406030204" pitchFamily="18" charset="0"/>
               <a:ea typeface="MS Mincho" panose="02020609040205080304" pitchFamily="49" charset="-128"/>
@@ -4908,7 +5060,7 @@
               </a:spcAft>
             </a:pPr>
             <a:r>
-              <a:rPr lang="en-IN" sz="1800" u="sng" kern="100" dirty="0">
+              <a:rPr lang="en-IN" sz="1600" u="sng" kern="100" dirty="0">
                 <a:solidFill>
                   <a:srgbClr val="0563C1"/>
                 </a:solidFill>
@@ -4916,11 +5068,11 @@
                 <a:latin typeface="Calibri" panose="020F0502020204030204" pitchFamily="34" charset="0"/>
                 <a:ea typeface="Calibri" panose="020F0502020204030204" pitchFamily="34" charset="0"/>
                 <a:cs typeface="Times New Roman" panose="02020603050405020304" pitchFamily="18" charset="0"/>
-                <a:hlinkClick r:id="rId2"/>
+                <a:hlinkClick r:id="rId6"/>
               </a:rPr>
               <a:t>https://youtu.be/aircAruvnKk?feature=shared</a:t>
             </a:r>
-            <a:endParaRPr lang="en-IN" sz="1600" dirty="0">
+            <a:endParaRPr lang="en-IN" sz="1400" dirty="0">
               <a:effectLst/>
               <a:latin typeface="Cambria" panose="02040503050406030204" pitchFamily="18" charset="0"/>
               <a:ea typeface="MS Mincho" panose="02020609040205080304" pitchFamily="49" charset="-128"/>
@@ -4939,7 +5091,7 @@
               <a:buChar char=""/>
             </a:pPr>
             <a:r>
-              <a:rPr lang="en-IN" sz="1800" kern="100" dirty="0">
+              <a:rPr lang="en-IN" sz="1600" kern="100" dirty="0">
                 <a:effectLst/>
                 <a:latin typeface="Calibri" panose="020F0502020204030204" pitchFamily="34" charset="0"/>
                 <a:ea typeface="Calibri" panose="020F0502020204030204" pitchFamily="34" charset="0"/>
@@ -4948,7 +5100,7 @@
               <a:t>System Verilog reference from </a:t>
             </a:r>
             <a:r>
-              <a:rPr lang="en-IN" sz="1800" kern="100" dirty="0" err="1">
+              <a:rPr lang="en-IN" sz="1600" kern="100" dirty="0" err="1">
                 <a:effectLst/>
                 <a:latin typeface="Calibri" panose="020F0502020204030204" pitchFamily="34" charset="0"/>
                 <a:ea typeface="Calibri" panose="020F0502020204030204" pitchFamily="34" charset="0"/>
@@ -4957,7 +5109,7 @@
               <a:t>chipVerify</a:t>
             </a:r>
             <a:r>
-              <a:rPr lang="en-IN" sz="1800" kern="100" dirty="0">
+              <a:rPr lang="en-IN" sz="1600" kern="100" dirty="0">
                 <a:effectLst/>
                 <a:latin typeface="Calibri" panose="020F0502020204030204" pitchFamily="34" charset="0"/>
                 <a:ea typeface="Calibri" panose="020F0502020204030204" pitchFamily="34" charset="0"/>
@@ -4965,7 +5117,7 @@
               </a:rPr>
               <a:t> </a:t>
             </a:r>
-            <a:endParaRPr lang="en-IN" sz="1600" dirty="0">
+            <a:endParaRPr lang="en-IN" sz="1400" dirty="0">
               <a:effectLst/>
               <a:latin typeface="Cambria" panose="02040503050406030204" pitchFamily="18" charset="0"/>
               <a:ea typeface="MS Mincho" panose="02020609040205080304" pitchFamily="49" charset="-128"/>
@@ -4982,7 +5134,7 @@
               </a:spcAft>
             </a:pPr>
             <a:r>
-              <a:rPr lang="en-IN" sz="1800" kern="100" dirty="0">
+              <a:rPr lang="en-IN" sz="1600" kern="100" dirty="0">
                 <a:effectLst/>
                 <a:latin typeface="Calibri" panose="020F0502020204030204" pitchFamily="34" charset="0"/>
                 <a:ea typeface="Calibri" panose="020F0502020204030204" pitchFamily="34" charset="0"/>
@@ -4990,7 +5142,7 @@
               </a:rPr>
               <a:t>https://www.chipverify.com/tutorials/systemverilog</a:t>
             </a:r>
-            <a:endParaRPr lang="en-IN" sz="1600" dirty="0">
+            <a:endParaRPr lang="en-IN" sz="1400" dirty="0">
               <a:effectLst/>
               <a:latin typeface="Cambria" panose="02040503050406030204" pitchFamily="18" charset="0"/>
               <a:ea typeface="MS Mincho" panose="02020609040205080304" pitchFamily="49" charset="-128"/>
@@ -5009,7 +5161,7 @@
               <a:buChar char=""/>
             </a:pPr>
             <a:r>
-              <a:rPr lang="en-IN" sz="1800" kern="100" dirty="0">
+              <a:rPr lang="en-IN" sz="1600" kern="100" dirty="0">
                 <a:effectLst/>
                 <a:latin typeface="Calibri" panose="020F0502020204030204" pitchFamily="34" charset="0"/>
                 <a:ea typeface="Calibri" panose="020F0502020204030204" pitchFamily="34" charset="0"/>
@@ -5018,7 +5170,7 @@
               <a:t>Mathematical algorithm inspiration etc from </a:t>
             </a:r>
             <a:r>
-              <a:rPr lang="en-IN" sz="1800" kern="100" dirty="0" err="1">
+              <a:rPr lang="en-IN" sz="1600" kern="100" dirty="0" err="1">
                 <a:effectLst/>
                 <a:latin typeface="Calibri" panose="020F0502020204030204" pitchFamily="34" charset="0"/>
                 <a:ea typeface="Calibri" panose="020F0502020204030204" pitchFamily="34" charset="0"/>
@@ -5027,7 +5179,7 @@
               <a:t>pyTorch</a:t>
             </a:r>
             <a:r>
-              <a:rPr lang="en-IN" sz="1800" kern="100" dirty="0">
+              <a:rPr lang="en-IN" sz="1600" kern="100" dirty="0">
                 <a:effectLst/>
                 <a:latin typeface="Calibri" panose="020F0502020204030204" pitchFamily="34" charset="0"/>
                 <a:ea typeface="Calibri" panose="020F0502020204030204" pitchFamily="34" charset="0"/>
@@ -5036,7 +5188,7 @@
               <a:t> documentation</a:t>
             </a:r>
             <a:br>
-              <a:rPr lang="en-IN" sz="1800" kern="100" dirty="0">
+              <a:rPr lang="en-IN" sz="1600" kern="100" dirty="0">
                 <a:effectLst/>
                 <a:latin typeface="Calibri" panose="020F0502020204030204" pitchFamily="34" charset="0"/>
                 <a:ea typeface="Calibri" panose="020F0502020204030204" pitchFamily="34" charset="0"/>
@@ -5044,7 +5196,7 @@
               </a:rPr>
             </a:br>
             <a:r>
-              <a:rPr lang="en-IN" sz="1800" u="sng" kern="100" dirty="0">
+              <a:rPr lang="en-IN" sz="1600" u="sng" kern="100" dirty="0">
                 <a:solidFill>
                   <a:srgbClr val="0563C1"/>
                 </a:solidFill>
@@ -5052,11 +5204,11 @@
                 <a:latin typeface="Calibri" panose="020F0502020204030204" pitchFamily="34" charset="0"/>
                 <a:ea typeface="Calibri" panose="020F0502020204030204" pitchFamily="34" charset="0"/>
                 <a:cs typeface="Times New Roman" panose="02020603050405020304" pitchFamily="18" charset="0"/>
-                <a:hlinkClick r:id="rId3"/>
+                <a:hlinkClick r:id="rId7"/>
               </a:rPr>
               <a:t>https://pytorch.org/docs/stable/index.html</a:t>
             </a:r>
-            <a:endParaRPr lang="en-IN" sz="1600" dirty="0">
+            <a:endParaRPr lang="en-IN" sz="1400" dirty="0">
               <a:effectLst/>
               <a:latin typeface="Cambria" panose="02040503050406030204" pitchFamily="18" charset="0"/>
               <a:ea typeface="MS Mincho" panose="02020609040205080304" pitchFamily="49" charset="-128"/>
@@ -5075,7 +5227,7 @@
               <a:buChar char=""/>
             </a:pPr>
             <a:r>
-              <a:rPr lang="en-IN" sz="1800" kern="100" dirty="0">
+              <a:rPr lang="en-IN" sz="1600" kern="100" dirty="0">
                 <a:effectLst/>
                 <a:latin typeface="Calibri" panose="020F0502020204030204" pitchFamily="34" charset="0"/>
                 <a:ea typeface="Calibri" panose="020F0502020204030204" pitchFamily="34" charset="0"/>
@@ -5083,7 +5235,7 @@
               </a:rPr>
               <a:t>Nearest neighbour interpolation from Wikipedia</a:t>
             </a:r>
-            <a:endParaRPr lang="en-IN" sz="1600" dirty="0">
+            <a:endParaRPr lang="en-IN" sz="1400" dirty="0">
               <a:effectLst/>
               <a:latin typeface="Cambria" panose="02040503050406030204" pitchFamily="18" charset="0"/>
               <a:ea typeface="MS Mincho" panose="02020609040205080304" pitchFamily="49" charset="-128"/>
@@ -5100,16 +5252,31 @@
               </a:spcAft>
             </a:pPr>
             <a:r>
-              <a:rPr lang="en-IN" sz="1800" kern="100" dirty="0">
+              <a:rPr lang="en-IN" sz="1600" kern="100" dirty="0">
                 <a:effectLst/>
                 <a:latin typeface="Calibri" panose="020F0502020204030204" pitchFamily="34" charset="0"/>
                 <a:ea typeface="Calibri" panose="020F0502020204030204" pitchFamily="34" charset="0"/>
                 <a:cs typeface="Times New Roman" panose="02020603050405020304" pitchFamily="18" charset="0"/>
+                <a:hlinkClick r:id="rId8"/>
               </a:rPr>
               <a:t>https://en.wikipedia.org/wiki/Nearest-neighbor_interpolation</a:t>
             </a:r>
-            <a:endParaRPr lang="en-IN" sz="1600" dirty="0">
-              <a:effectLst/>
+            <a:endParaRPr lang="en-IN" sz="1400" kern="100" dirty="0">
+              <a:latin typeface="Cambria" panose="02040503050406030204" pitchFamily="18" charset="0"/>
+              <a:ea typeface="MS Mincho" panose="02020609040205080304" pitchFamily="49" charset="-128"/>
+              <a:cs typeface="Times New Roman" panose="02020603050405020304" pitchFamily="18" charset="0"/>
+            </a:endParaRPr>
+          </a:p>
+          <a:p>
+            <a:pPr marL="457200">
+              <a:lnSpc>
+                <a:spcPct val="107000"/>
+              </a:lnSpc>
+              <a:spcAft>
+                <a:spcPts val="1000"/>
+              </a:spcAft>
+            </a:pPr>
+            <a:endParaRPr lang="en-IN" sz="1600" kern="100" dirty="0">
               <a:latin typeface="Cambria" panose="02040503050406030204" pitchFamily="18" charset="0"/>
               <a:ea typeface="MS Mincho" panose="02020609040205080304" pitchFamily="49" charset="-128"/>
               <a:cs typeface="Times New Roman" panose="02020603050405020304" pitchFamily="18" charset="0"/>
@@ -5590,7 +5757,7 @@
         <p:spPr/>
         <p:txBody>
           <a:bodyPr>
-            <a:normAutofit fontScale="92500" lnSpcReduction="20000"/>
+            <a:normAutofit fontScale="70000" lnSpcReduction="20000"/>
           </a:bodyPr>
           <a:lstStyle/>
           <a:p>
@@ -5599,15 +5766,37 @@
             </a:pPr>
             <a:r>
               <a:rPr lang="en-US" dirty="0"/>
-              <a:t>Training doctors is a costly process that requires significant resources, and India faces a shortage of medical facilities. This system aims to mitigate these challenges by providing a simple and automated solution for detecting brain </a:t>
+              <a:t>Training doctors is a costly process, with estimates suggesting it can take upwards of </a:t>
+            </a:r>
+          </a:p>
+          <a:p>
+            <a:pPr marL="0" indent="0">
+              <a:buNone/>
+            </a:pPr>
+            <a:r>
+              <a:rPr lang="en-US" b="1" dirty="0"/>
+              <a:t>1.1M$</a:t>
+            </a:r>
+            <a:r>
+              <a:rPr lang="en-US" dirty="0"/>
+              <a:t>(in USA) to fully train a single doctor over several years. At the same time, India faces a shortage of over 600,000 doctors and more than 2 million nurses, according to recent healthcare statistics. The lack of medical facilities in rural and underserved areas further compounds this issue, leading to increased patient loads and delayed diagnoses for critical conditions like brain tumors.</a:t>
+            </a:r>
+          </a:p>
+          <a:p>
+            <a:pPr marL="0" indent="0">
+              <a:buNone/>
+            </a:pPr>
+            <a:r>
+              <a:rPr lang="en-US" dirty="0"/>
+              <a:t>This system aims to address these challenges by providing an automated solution for detecting brain tumors from MRI images, potentially reducing diagnosis time by a substantial margin and making quality healthcare more accessible. Implementing this project using a hardware language like </a:t>
             </a:r>
             <a:r>
               <a:rPr lang="en-US" dirty="0" err="1"/>
-              <a:t>tumours</a:t>
+              <a:t>SystemVerilog</a:t>
             </a:r>
             <a:r>
               <a:rPr lang="en-US" dirty="0"/>
-              <a:t> from MRI images.</a:t>
+              <a:t> enhances processing speed and reduces computational power requirements. FPGA-based solutions, in particular, can operate several times faster than traditional CPU-based solutions for image processing tasks while consuming significantly less power.</a:t>
             </a:r>
           </a:p>
           <a:p>
@@ -5616,33 +5805,15 @@
             </a:pPr>
             <a:r>
               <a:rPr lang="en-US" dirty="0"/>
-              <a:t>This project has potential in increasing the medical facilities available in our country.</a:t>
-            </a:r>
-          </a:p>
-          <a:p>
-            <a:pPr marL="0" indent="0">
-              <a:buNone/>
-            </a:pPr>
+              <a:t>This efficiency leads to significant cost savings, as these systems may operate at a fraction of the expense of traditional diagnostic </a:t>
+            </a:r>
+            <a:r>
+              <a:rPr lang="en-US" dirty="0" err="1"/>
+              <a:t>equipment.Developing</a:t>
+            </a:r>
             <a:r>
               <a:rPr lang="en-US" dirty="0"/>
-              <a:t>Implementing this project using a basic hardware language such as </a:t>
-            </a:r>
-            <a:r>
-              <a:rPr lang="en-US" dirty="0" err="1"/>
-              <a:t>systemVerilog</a:t>
-            </a:r>
-            <a:r>
-              <a:rPr lang="en-US" dirty="0"/>
-              <a:t> not only enhances processing speed but also reduces the computational power and energy consumption required for this task.</a:t>
-            </a:r>
-          </a:p>
-          <a:p>
-            <a:pPr marL="0" indent="0">
-              <a:buNone/>
-            </a:pPr>
-            <a:r>
-              <a:rPr lang="en-US" dirty="0"/>
-              <a:t>Developing such systems from low level components (I.e. on FPGA boards/Basic languages such as Verilog/VHDL/</a:t>
+              <a:t> such systems from low level components (I.e. on FPGA boards/Basic languages such as Verilog/VHDL/</a:t>
             </a:r>
             <a:r>
               <a:rPr lang="en-US" dirty="0" err="1"/>

--- a/DCD Mini-Project.pptx
+++ b/DCD Mini-Project.pptx
@@ -20,6 +20,7 @@
     <p:sldId id="273" r:id="rId14"/>
     <p:sldId id="274" r:id="rId15"/>
     <p:sldId id="268" r:id="rId16"/>
+    <p:sldId id="275" r:id="rId17"/>
   </p:sldIdLst>
   <p:sldSz cx="12192000" cy="6858000"/>
   <p:notesSz cx="6858000" cy="9144000"/>
@@ -4630,42 +4631,27 @@
       </p:grpSpPr>
       <p:sp>
         <p:nvSpPr>
-          <p:cNvPr id="3" name="TextBox 2">
-            <a:extLst>
-              <a:ext uri="{FF2B5EF4-FFF2-40B4-BE49-F238E27FC236}">
-                <a16:creationId xmlns:a16="http://schemas.microsoft.com/office/drawing/2014/main" id="{DA45FFFF-7B23-4E68-05C0-D3A414E1DA10}"/>
-              </a:ext>
-            </a:extLst>
-          </p:cNvPr>
-          <p:cNvSpPr txBox="1"/>
-          <p:nvPr/>
-        </p:nvSpPr>
-        <p:spPr>
-          <a:xfrm>
-            <a:off x="527901" y="254524"/>
-            <a:ext cx="11180190" cy="2470420"/>
-          </a:xfrm>
-          <a:prstGeom prst="rect">
-            <a:avLst/>
-          </a:prstGeom>
-          <a:noFill/>
-        </p:spPr>
-        <p:txBody>
-          <a:bodyPr wrap="square">
-            <a:spAutoFit/>
-          </a:bodyPr>
-          <a:lstStyle/>
-          <a:p>
-            <a:pPr>
-              <a:lnSpc>
-                <a:spcPct val="107000"/>
-              </a:lnSpc>
-              <a:spcAft>
-                <a:spcPts val="800"/>
-              </a:spcAft>
-            </a:pPr>
-            <a:r>
-              <a:rPr lang="en-IN" sz="2800" kern="100" dirty="0">
+          <p:cNvPr id="7" name="Title 6">
+            <a:extLst>
+              <a:ext uri="{FF2B5EF4-FFF2-40B4-BE49-F238E27FC236}">
+                <a16:creationId xmlns:a16="http://schemas.microsoft.com/office/drawing/2014/main" id="{0E7BE119-DFD5-089C-2645-CF302CE06A04}"/>
+              </a:ext>
+            </a:extLst>
+          </p:cNvPr>
+          <p:cNvSpPr>
+            <a:spLocks noGrp="1"/>
+          </p:cNvSpPr>
+          <p:nvPr>
+            <p:ph type="title"/>
+          </p:nvPr>
+        </p:nvSpPr>
+        <p:spPr/>
+        <p:txBody>
+          <a:bodyPr/>
+          <a:lstStyle/>
+          <a:p>
+            <a:r>
+              <a:rPr lang="en-IN" sz="4400" kern="100" dirty="0">
                 <a:solidFill>
                   <a:schemeClr val="tx1">
                     <a:lumMod val="50000"/>
@@ -4679,19 +4665,44 @@
               </a:rPr>
               <a:t>Results and conclusions: -</a:t>
             </a:r>
-            <a:endParaRPr lang="en-IN" sz="1600" dirty="0">
-              <a:solidFill>
-                <a:schemeClr val="tx1">
-                  <a:lumMod val="50000"/>
-                  <a:lumOff val="50000"/>
-                </a:schemeClr>
-              </a:solidFill>
-              <a:effectLst/>
-              <a:latin typeface="Cambria" panose="02040503050406030204" pitchFamily="18" charset="0"/>
-              <a:ea typeface="MS Mincho" panose="02020609040205080304" pitchFamily="49" charset="-128"/>
-              <a:cs typeface="Times New Roman" panose="02020603050405020304" pitchFamily="18" charset="0"/>
-            </a:endParaRPr>
-          </a:p>
+            <a:br>
+              <a:rPr lang="en-IN" sz="2800" dirty="0">
+                <a:solidFill>
+                  <a:schemeClr val="tx1">
+                    <a:lumMod val="50000"/>
+                    <a:lumOff val="50000"/>
+                  </a:schemeClr>
+                </a:solidFill>
+                <a:effectLst/>
+                <a:latin typeface="Cambria" panose="02040503050406030204" pitchFamily="18" charset="0"/>
+                <a:ea typeface="MS Mincho" panose="02020609040205080304" pitchFamily="49" charset="-128"/>
+                <a:cs typeface="Times New Roman" panose="02020603050405020304" pitchFamily="18" charset="0"/>
+              </a:rPr>
+            </a:br>
+            <a:endParaRPr lang="en-IN" dirty="0"/>
+          </a:p>
+        </p:txBody>
+      </p:sp>
+      <p:sp>
+        <p:nvSpPr>
+          <p:cNvPr id="8" name="Content Placeholder 7">
+            <a:extLst>
+              <a:ext uri="{FF2B5EF4-FFF2-40B4-BE49-F238E27FC236}">
+                <a16:creationId xmlns:a16="http://schemas.microsoft.com/office/drawing/2014/main" id="{300545C3-5633-0C35-3755-32A84CD1960E}"/>
+              </a:ext>
+            </a:extLst>
+          </p:cNvPr>
+          <p:cNvSpPr>
+            <a:spLocks noGrp="1"/>
+          </p:cNvSpPr>
+          <p:nvPr>
+            <p:ph idx="1"/>
+          </p:nvPr>
+        </p:nvSpPr>
+        <p:spPr/>
+        <p:txBody>
+          <a:bodyPr/>
+          <a:lstStyle/>
           <a:p>
             <a:pPr marL="342900" lvl="0" indent="-342900">
               <a:lnSpc>
@@ -4704,7 +4715,7 @@
               <a:buChar char=""/>
             </a:pPr>
             <a:r>
-              <a:rPr lang="en-IN" sz="1800" kern="100" dirty="0">
+              <a:rPr lang="en-IN" sz="2800" kern="100" dirty="0">
                 <a:effectLst/>
                 <a:latin typeface="Calibri" panose="020F0502020204030204" pitchFamily="34" charset="0"/>
                 <a:ea typeface="Calibri" panose="020F0502020204030204" pitchFamily="34" charset="0"/>
@@ -4712,7 +4723,7 @@
               </a:rPr>
               <a:t>Reached moderately high accuracy in detecting exact type of cancer from MRI image.</a:t>
             </a:r>
-            <a:endParaRPr lang="en-IN" sz="1600" dirty="0">
+            <a:endParaRPr lang="en-IN" sz="2400" dirty="0">
               <a:effectLst/>
               <a:latin typeface="Cambria" panose="02040503050406030204" pitchFamily="18" charset="0"/>
               <a:ea typeface="MS Mincho" panose="02020609040205080304" pitchFamily="49" charset="-128"/>
@@ -4731,7 +4742,7 @@
               <a:buChar char=""/>
             </a:pPr>
             <a:r>
-              <a:rPr lang="en-IN" sz="1800" kern="100" dirty="0">
+              <a:rPr lang="en-IN" sz="2800" kern="100" dirty="0">
                 <a:effectLst/>
                 <a:latin typeface="Calibri" panose="020F0502020204030204" pitchFamily="34" charset="0"/>
                 <a:ea typeface="Calibri" panose="020F0502020204030204" pitchFamily="34" charset="0"/>
@@ -4739,7 +4750,7 @@
               </a:rPr>
               <a:t>Reached very high accuracy in determining whether the person has cancer or not from the MRI image</a:t>
             </a:r>
-            <a:endParaRPr lang="en-IN" sz="1600" dirty="0">
+            <a:endParaRPr lang="en-IN" sz="2400" dirty="0">
               <a:effectLst/>
               <a:latin typeface="Cambria" panose="02040503050406030204" pitchFamily="18" charset="0"/>
               <a:ea typeface="MS Mincho" panose="02020609040205080304" pitchFamily="49" charset="-128"/>
@@ -4758,7 +4769,7 @@
               <a:buChar char=""/>
             </a:pPr>
             <a:r>
-              <a:rPr lang="en-IN" sz="1800" kern="100" dirty="0">
+              <a:rPr lang="en-IN" sz="2800" kern="100" dirty="0">
                 <a:effectLst/>
                 <a:latin typeface="Calibri" panose="020F0502020204030204" pitchFamily="34" charset="0"/>
                 <a:ea typeface="Calibri" panose="020F0502020204030204" pitchFamily="34" charset="0"/>
@@ -4766,7 +4777,7 @@
               </a:rPr>
               <a:t>Unlike traditional methods which have a fixed accuracy, the accuracy of this system will increase as it gets more and more data over time. </a:t>
             </a:r>
-            <a:endParaRPr lang="en-IN" sz="1600" dirty="0">
+            <a:endParaRPr lang="en-IN" sz="2400" dirty="0">
               <a:effectLst/>
               <a:latin typeface="Cambria" panose="02040503050406030204" pitchFamily="18" charset="0"/>
               <a:ea typeface="MS Mincho" panose="02020609040205080304" pitchFamily="49" charset="-128"/>
@@ -4782,69 +4793,73 @@
                 <a:spcPts val="800"/>
               </a:spcAft>
             </a:pPr>
-            <a:endParaRPr lang="en-IN" sz="1600" dirty="0">
+            <a:endParaRPr lang="en-IN" sz="2400" dirty="0">
               <a:effectLst/>
               <a:latin typeface="Cambria" panose="02040503050406030204" pitchFamily="18" charset="0"/>
               <a:ea typeface="MS Mincho" panose="02020609040205080304" pitchFamily="49" charset="-128"/>
               <a:cs typeface="Times New Roman" panose="02020603050405020304" pitchFamily="18" charset="0"/>
             </a:endParaRPr>
           </a:p>
-        </p:txBody>
-      </p:sp>
-      <p:sp>
-        <p:nvSpPr>
-          <p:cNvPr id="5" name="TextBox 4">
-            <a:extLst>
-              <a:ext uri="{FF2B5EF4-FFF2-40B4-BE49-F238E27FC236}">
-                <a16:creationId xmlns:a16="http://schemas.microsoft.com/office/drawing/2014/main" id="{74BBC7EE-C8B0-596F-CF33-924B21B6497A}"/>
-              </a:ext>
-            </a:extLst>
-          </p:cNvPr>
-          <p:cNvSpPr txBox="1"/>
-          <p:nvPr/>
-        </p:nvSpPr>
-        <p:spPr>
-          <a:xfrm>
-            <a:off x="527901" y="2057401"/>
-            <a:ext cx="9407951" cy="5857822"/>
-          </a:xfrm>
-          <a:prstGeom prst="rect">
-            <a:avLst/>
-          </a:prstGeom>
-          <a:noFill/>
-        </p:spPr>
-        <p:txBody>
-          <a:bodyPr wrap="square">
-            <a:spAutoFit/>
+          <a:p>
+            <a:endParaRPr lang="en-IN" dirty="0"/>
+          </a:p>
+        </p:txBody>
+      </p:sp>
+    </p:spTree>
+    <p:extLst>
+      <p:ext uri="{BB962C8B-B14F-4D97-AF65-F5344CB8AC3E}">
+        <p14:creationId xmlns:p14="http://schemas.microsoft.com/office/powerpoint/2010/main" val="2765961618"/>
+      </p:ext>
+    </p:extLst>
+  </p:cSld>
+  <p:clrMapOvr>
+    <a:masterClrMapping/>
+  </p:clrMapOvr>
+</p:sld>
+</file>
+
+<file path=ppt/slides/slide16.xml><?xml version="1.0" encoding="utf-8"?>
+<p:sld xmlns:a="http://schemas.openxmlformats.org/drawingml/2006/main" xmlns:r="http://schemas.openxmlformats.org/officeDocument/2006/relationships" xmlns:p="http://schemas.openxmlformats.org/presentationml/2006/main">
+  <p:cSld>
+    <p:spTree>
+      <p:nvGrpSpPr>
+        <p:cNvPr id="1" name=""/>
+        <p:cNvGrpSpPr/>
+        <p:nvPr/>
+      </p:nvGrpSpPr>
+      <p:grpSpPr>
+        <a:xfrm>
+          <a:off x="0" y="0"/>
+          <a:ext cx="0" cy="0"/>
+          <a:chOff x="0" y="0"/>
+          <a:chExt cx="0" cy="0"/>
+        </a:xfrm>
+      </p:grpSpPr>
+      <p:sp>
+        <p:nvSpPr>
+          <p:cNvPr id="2" name="Title 1">
+            <a:extLst>
+              <a:ext uri="{FF2B5EF4-FFF2-40B4-BE49-F238E27FC236}">
+                <a16:creationId xmlns:a16="http://schemas.microsoft.com/office/drawing/2014/main" id="{52E7B10B-CE76-14ED-91CC-71BD33C81469}"/>
+              </a:ext>
+            </a:extLst>
+          </p:cNvPr>
+          <p:cNvSpPr>
+            <a:spLocks noGrp="1"/>
+          </p:cNvSpPr>
+          <p:nvPr>
+            <p:ph type="title"/>
+          </p:nvPr>
+        </p:nvSpPr>
+        <p:spPr/>
+        <p:txBody>
+          <a:bodyPr>
+            <a:normAutofit/>
           </a:bodyPr>
           <a:lstStyle/>
           <a:p>
-            <a:pPr>
-              <a:lnSpc>
-                <a:spcPct val="107000"/>
-              </a:lnSpc>
-              <a:spcAft>
-                <a:spcPts val="800"/>
-              </a:spcAft>
-            </a:pPr>
-            <a:endParaRPr lang="en-IN" sz="1600" dirty="0">
-              <a:effectLst/>
-              <a:latin typeface="Cambria" panose="02040503050406030204" pitchFamily="18" charset="0"/>
-              <a:ea typeface="MS Mincho" panose="02020609040205080304" pitchFamily="49" charset="-128"/>
-              <a:cs typeface="Times New Roman" panose="02020603050405020304" pitchFamily="18" charset="0"/>
-            </a:endParaRPr>
-          </a:p>
-          <a:p>
-            <a:pPr>
-              <a:lnSpc>
-                <a:spcPct val="107000"/>
-              </a:lnSpc>
-              <a:spcAft>
-                <a:spcPts val="800"/>
-              </a:spcAft>
-            </a:pPr>
-            <a:r>
-              <a:rPr lang="en-IN" sz="2400" kern="100" dirty="0">
+            <a:r>
+              <a:rPr lang="en-IN" sz="4400" kern="100" dirty="0">
                 <a:solidFill>
                   <a:schemeClr val="tx1">
                     <a:lumMod val="50000"/>
@@ -4858,7 +4873,46 @@
               </a:rPr>
               <a:t>References: -</a:t>
             </a:r>
-          </a:p>
+            <a:br>
+              <a:rPr lang="en-IN" sz="4400" kern="100" dirty="0">
+                <a:solidFill>
+                  <a:schemeClr val="tx1">
+                    <a:lumMod val="50000"/>
+                    <a:lumOff val="50000"/>
+                  </a:schemeClr>
+                </a:solidFill>
+                <a:effectLst/>
+                <a:latin typeface="Calibri" panose="020F0502020204030204" pitchFamily="34" charset="0"/>
+                <a:ea typeface="Calibri" panose="020F0502020204030204" pitchFamily="34" charset="0"/>
+                <a:cs typeface="Times New Roman" panose="02020603050405020304" pitchFamily="18" charset="0"/>
+              </a:rPr>
+            </a:br>
+            <a:endParaRPr lang="en-IN" dirty="0"/>
+          </a:p>
+        </p:txBody>
+      </p:sp>
+      <p:sp>
+        <p:nvSpPr>
+          <p:cNvPr id="3" name="Content Placeholder 2">
+            <a:extLst>
+              <a:ext uri="{FF2B5EF4-FFF2-40B4-BE49-F238E27FC236}">
+                <a16:creationId xmlns:a16="http://schemas.microsoft.com/office/drawing/2014/main" id="{388D1C83-3E90-B9C3-0AE7-8FDC3EF31D32}"/>
+              </a:ext>
+            </a:extLst>
+          </p:cNvPr>
+          <p:cNvSpPr>
+            <a:spLocks noGrp="1"/>
+          </p:cNvSpPr>
+          <p:nvPr>
+            <p:ph idx="1"/>
+          </p:nvPr>
+        </p:nvSpPr>
+        <p:spPr/>
+        <p:txBody>
+          <a:bodyPr>
+            <a:noAutofit/>
+          </a:bodyPr>
+          <a:lstStyle/>
           <a:p>
             <a:pPr>
               <a:lnSpc>
@@ -4868,32 +4922,8 @@
                 <a:spcPts val="800"/>
               </a:spcAft>
             </a:pPr>
-            <a:endParaRPr lang="en-IN" sz="2400" kern="100" dirty="0">
-              <a:solidFill>
-                <a:schemeClr val="tx1">
-                  <a:lumMod val="50000"/>
-                  <a:lumOff val="50000"/>
-                </a:schemeClr>
-              </a:solidFill>
-              <a:effectLst/>
-              <a:latin typeface="Calibri" panose="020F0502020204030204" pitchFamily="34" charset="0"/>
-              <a:ea typeface="Calibri" panose="020F0502020204030204" pitchFamily="34" charset="0"/>
-              <a:cs typeface="Times New Roman" panose="02020603050405020304" pitchFamily="18" charset="0"/>
-            </a:endParaRPr>
-          </a:p>
-          <a:p>
-            <a:pPr marL="285750" indent="-285750" algn="l" fontAlgn="base">
-              <a:lnSpc>
-                <a:spcPts val="3300"/>
-              </a:lnSpc>
-              <a:spcAft>
-                <a:spcPts val="1200"/>
-              </a:spcAft>
-              <a:buFont typeface="Arial" panose="020B0604020202020204" pitchFamily="34" charset="0"/>
-              <a:buChar char="•"/>
-            </a:pPr>
-            <a:r>
-              <a:rPr lang="en-IN" sz="1600" i="0" dirty="0">
+            <a:r>
+              <a:rPr lang="en-IN" sz="1800" i="0" dirty="0">
                 <a:solidFill>
                   <a:srgbClr val="202124"/>
                 </a:solidFill>
@@ -4902,7 +4932,7 @@
               <a:t> Brain </a:t>
             </a:r>
             <a:r>
-              <a:rPr lang="en-IN" sz="1600" i="0" dirty="0" err="1">
+              <a:rPr lang="en-IN" sz="1800" i="0" dirty="0" err="1">
                 <a:solidFill>
                   <a:srgbClr val="202124"/>
                 </a:solidFill>
@@ -4911,7 +4941,7 @@
               <a:t>Tumor</a:t>
             </a:r>
             <a:r>
-              <a:rPr lang="en-IN" sz="1600" i="0" dirty="0">
+              <a:rPr lang="en-IN" sz="1800" i="0" dirty="0">
                 <a:solidFill>
                   <a:srgbClr val="202124"/>
                 </a:solidFill>
@@ -4920,7 +4950,7 @@
               <a:t> MRI Dataset </a:t>
             </a:r>
             <a:r>
-              <a:rPr lang="en-IN" sz="1600" i="0" dirty="0">
+              <a:rPr lang="en-IN" sz="1800" i="0" dirty="0">
                 <a:solidFill>
                   <a:srgbClr val="202124"/>
                 </a:solidFill>
@@ -4929,7 +4959,7 @@
               </a:rPr>
               <a:t>https://www.kaggle.com/datasets/masoudnickparvar/brain-tumor-mri-dataset</a:t>
             </a:r>
-            <a:endParaRPr lang="en-IN" sz="1600" i="0" dirty="0">
+            <a:endParaRPr lang="en-IN" sz="1800" i="0" dirty="0">
               <a:solidFill>
                 <a:srgbClr val="202124"/>
               </a:solidFill>
@@ -4937,18 +4967,16 @@
             </a:endParaRPr>
           </a:p>
           <a:p>
-            <a:pPr marL="285750" indent="-285750" algn="l" fontAlgn="base">
+            <a:pPr>
               <a:lnSpc>
-                <a:spcPts val="3300"/>
+                <a:spcPct val="107000"/>
               </a:lnSpc>
               <a:spcAft>
-                <a:spcPts val="1200"/>
+                <a:spcPts val="800"/>
               </a:spcAft>
-              <a:buFont typeface="Arial" panose="020B0604020202020204" pitchFamily="34" charset="0"/>
-              <a:buChar char="•"/>
             </a:pPr>
             <a:r>
-              <a:rPr lang="en-IN" sz="1600" dirty="0">
+              <a:rPr lang="en-IN" sz="1800" dirty="0">
                 <a:solidFill>
                   <a:srgbClr val="202124"/>
                 </a:solidFill>
@@ -4956,7 +4984,7 @@
               <a:t>News Articles </a:t>
             </a:r>
             <a:r>
-              <a:rPr lang="en-IN" sz="1600" dirty="0">
+              <a:rPr lang="en-IN" sz="1800" dirty="0">
                 <a:solidFill>
                   <a:srgbClr val="202124"/>
                 </a:solidFill>
@@ -4965,7 +4993,7 @@
               <a:t>Brain </a:t>
             </a:r>
             <a:r>
-              <a:rPr lang="en-IN" sz="1600" dirty="0" err="1">
+              <a:rPr lang="en-IN" sz="1800" dirty="0" err="1">
                 <a:solidFill>
                   <a:srgbClr val="202124"/>
                 </a:solidFill>
@@ -4974,7 +5002,7 @@
               <a:t>Tumor</a:t>
             </a:r>
             <a:r>
-              <a:rPr lang="en-IN" sz="1600" dirty="0">
+              <a:rPr lang="en-IN" sz="1800" dirty="0">
                 <a:solidFill>
                   <a:srgbClr val="202124"/>
                 </a:solidFill>
@@ -4983,7 +5011,7 @@
               <a:t> Deaths</a:t>
             </a:r>
             <a:r>
-              <a:rPr lang="en-IN" sz="1600" dirty="0">
+              <a:rPr lang="en-IN" sz="1800" dirty="0">
                 <a:solidFill>
                   <a:srgbClr val="202124"/>
                 </a:solidFill>
@@ -4991,7 +5019,7 @@
               <a:t>  </a:t>
             </a:r>
             <a:r>
-              <a:rPr lang="en-IN" sz="1600" dirty="0">
+              <a:rPr lang="en-IN" sz="1800" dirty="0">
                 <a:solidFill>
                   <a:srgbClr val="202124"/>
                 </a:solidFill>
@@ -5000,7 +5028,7 @@
               <a:t>cost of training doctor</a:t>
             </a:r>
             <a:r>
-              <a:rPr lang="en-IN" sz="1600" dirty="0">
+              <a:rPr lang="en-IN" sz="1800" dirty="0">
                 <a:solidFill>
                   <a:srgbClr val="202124"/>
                 </a:solidFill>
@@ -5008,7 +5036,7 @@
               <a:t> </a:t>
             </a:r>
             <a:r>
-              <a:rPr lang="en-IN" sz="1600" dirty="0">
+              <a:rPr lang="en-IN" sz="1800" dirty="0">
                 <a:solidFill>
                   <a:srgbClr val="202124"/>
                 </a:solidFill>
@@ -5016,7 +5044,7 @@
               </a:rPr>
               <a:t>shortage of doctors</a:t>
             </a:r>
-            <a:endParaRPr lang="en-IN" sz="1600" i="0" dirty="0">
+            <a:endParaRPr lang="en-IN" sz="1800" i="0" dirty="0">
               <a:solidFill>
                 <a:srgbClr val="202124"/>
               </a:solidFill>
@@ -5024,43 +5052,25 @@
             </a:endParaRPr>
           </a:p>
           <a:p>
-            <a:pPr marL="342900" lvl="0" indent="-342900">
+            <a:pPr>
               <a:lnSpc>
                 <a:spcPct val="107000"/>
               </a:lnSpc>
               <a:spcAft>
-                <a:spcPts val="1000"/>
+                <a:spcPts val="800"/>
               </a:spcAft>
-              <a:buFont typeface="Symbol" panose="05050102010706020507" pitchFamily="18" charset="2"/>
-              <a:buChar char=""/>
             </a:pPr>
             <a:r>
-              <a:rPr lang="en-IN" sz="1600" kern="100" dirty="0">
+              <a:rPr lang="en-IN" sz="1800" kern="100" dirty="0">
                 <a:effectLst/>
                 <a:latin typeface="Calibri" panose="020F0502020204030204" pitchFamily="34" charset="0"/>
                 <a:ea typeface="Calibri" panose="020F0502020204030204" pitchFamily="34" charset="0"/>
                 <a:cs typeface="Times New Roman" panose="02020603050405020304" pitchFamily="18" charset="0"/>
               </a:rPr>
-              <a:t>Neural networks and deep learning from 3Blue1Brown </a:t>
-            </a:r>
-            <a:endParaRPr lang="en-IN" sz="1400" dirty="0">
-              <a:effectLst/>
-              <a:latin typeface="Cambria" panose="02040503050406030204" pitchFamily="18" charset="0"/>
-              <a:ea typeface="MS Mincho" panose="02020609040205080304" pitchFamily="49" charset="-128"/>
-              <a:cs typeface="Times New Roman" panose="02020603050405020304" pitchFamily="18" charset="0"/>
-            </a:endParaRPr>
-          </a:p>
-          <a:p>
-            <a:pPr marL="457200">
-              <a:lnSpc>
-                <a:spcPct val="107000"/>
-              </a:lnSpc>
-              <a:spcAft>
-                <a:spcPts val="1000"/>
-              </a:spcAft>
-            </a:pPr>
-            <a:r>
-              <a:rPr lang="en-IN" sz="1600" u="sng" kern="100" dirty="0">
+              <a:t>Neural networks and deep learning from 3Blue1Brown  </a:t>
+            </a:r>
+            <a:r>
+              <a:rPr lang="en-IN" sz="1800" u="sng" kern="100" dirty="0">
                 <a:solidFill>
                   <a:srgbClr val="0563C1"/>
                 </a:solidFill>
@@ -5072,7 +5082,7 @@
               </a:rPr>
               <a:t>https://youtu.be/aircAruvnKk?feature=shared</a:t>
             </a:r>
-            <a:endParaRPr lang="en-IN" sz="1400" dirty="0">
+            <a:endParaRPr lang="en-IN" sz="1800" dirty="0">
               <a:effectLst/>
               <a:latin typeface="Cambria" panose="02040503050406030204" pitchFamily="18" charset="0"/>
               <a:ea typeface="MS Mincho" panose="02020609040205080304" pitchFamily="49" charset="-128"/>
@@ -5080,18 +5090,16 @@
             </a:endParaRPr>
           </a:p>
           <a:p>
-            <a:pPr marL="342900" lvl="0" indent="-342900">
+            <a:pPr>
               <a:lnSpc>
                 <a:spcPct val="107000"/>
               </a:lnSpc>
               <a:spcAft>
-                <a:spcPts val="1000"/>
+                <a:spcPts val="800"/>
               </a:spcAft>
-              <a:buFont typeface="Symbol" panose="05050102010706020507" pitchFamily="18" charset="2"/>
-              <a:buChar char=""/>
             </a:pPr>
             <a:r>
-              <a:rPr lang="en-IN" sz="1600" kern="100" dirty="0">
+              <a:rPr lang="en-IN" sz="1800" kern="100" dirty="0">
                 <a:effectLst/>
                 <a:latin typeface="Calibri" panose="020F0502020204030204" pitchFamily="34" charset="0"/>
                 <a:ea typeface="Calibri" panose="020F0502020204030204" pitchFamily="34" charset="0"/>
@@ -5100,7 +5108,7 @@
               <a:t>System Verilog reference from </a:t>
             </a:r>
             <a:r>
-              <a:rPr lang="en-IN" sz="1600" kern="100" dirty="0" err="1">
+              <a:rPr lang="en-IN" sz="1800" kern="100" dirty="0" err="1">
                 <a:effectLst/>
                 <a:latin typeface="Calibri" panose="020F0502020204030204" pitchFamily="34" charset="0"/>
                 <a:ea typeface="Calibri" panose="020F0502020204030204" pitchFamily="34" charset="0"/>
@@ -5109,15 +5117,24 @@
               <a:t>chipVerify</a:t>
             </a:r>
             <a:r>
-              <a:rPr lang="en-IN" sz="1600" kern="100" dirty="0">
+              <a:rPr lang="en-IN" sz="2000" kern="100" dirty="0">
                 <a:effectLst/>
                 <a:latin typeface="Calibri" panose="020F0502020204030204" pitchFamily="34" charset="0"/>
                 <a:ea typeface="Calibri" panose="020F0502020204030204" pitchFamily="34" charset="0"/>
                 <a:cs typeface="Times New Roman" panose="02020603050405020304" pitchFamily="18" charset="0"/>
               </a:rPr>
-              <a:t> </a:t>
-            </a:r>
-            <a:endParaRPr lang="en-IN" sz="1400" dirty="0">
+              <a:t>  </a:t>
+            </a:r>
+            <a:r>
+              <a:rPr lang="en-IN" sz="1800" kern="100" dirty="0">
+                <a:effectLst/>
+                <a:latin typeface="Calibri" panose="020F0502020204030204" pitchFamily="34" charset="0"/>
+                <a:ea typeface="Calibri" panose="020F0502020204030204" pitchFamily="34" charset="0"/>
+                <a:cs typeface="Times New Roman" panose="02020603050405020304" pitchFamily="18" charset="0"/>
+              </a:rPr>
+              <a:t>https://www.chipverify.com/tutorials/systemverilog</a:t>
+            </a:r>
+            <a:endParaRPr lang="en-IN" sz="1600" dirty="0">
               <a:effectLst/>
               <a:latin typeface="Cambria" panose="02040503050406030204" pitchFamily="18" charset="0"/>
               <a:ea typeface="MS Mincho" panose="02020609040205080304" pitchFamily="49" charset="-128"/>
@@ -5125,78 +5142,43 @@
             </a:endParaRPr>
           </a:p>
           <a:p>
-            <a:pPr marL="457200">
+            <a:pPr>
               <a:lnSpc>
                 <a:spcPct val="107000"/>
               </a:lnSpc>
               <a:spcAft>
-                <a:spcPts val="1000"/>
+                <a:spcPts val="800"/>
               </a:spcAft>
             </a:pPr>
             <a:r>
-              <a:rPr lang="en-IN" sz="1600" kern="100" dirty="0">
+              <a:rPr lang="en-IN" sz="1800" kern="100" dirty="0">
                 <a:effectLst/>
                 <a:latin typeface="Calibri" panose="020F0502020204030204" pitchFamily="34" charset="0"/>
                 <a:ea typeface="Calibri" panose="020F0502020204030204" pitchFamily="34" charset="0"/>
                 <a:cs typeface="Times New Roman" panose="02020603050405020304" pitchFamily="18" charset="0"/>
               </a:rPr>
-              <a:t>https://www.chipverify.com/tutorials/systemverilog</a:t>
-            </a:r>
-            <a:endParaRPr lang="en-IN" sz="1400" dirty="0">
-              <a:effectLst/>
-              <a:latin typeface="Cambria" panose="02040503050406030204" pitchFamily="18" charset="0"/>
-              <a:ea typeface="MS Mincho" panose="02020609040205080304" pitchFamily="49" charset="-128"/>
-              <a:cs typeface="Times New Roman" panose="02020603050405020304" pitchFamily="18" charset="0"/>
-            </a:endParaRPr>
-          </a:p>
-          <a:p>
-            <a:pPr marL="342900" lvl="0" indent="-342900">
-              <a:lnSpc>
-                <a:spcPct val="107000"/>
-              </a:lnSpc>
-              <a:spcAft>
-                <a:spcPts val="1000"/>
-              </a:spcAft>
-              <a:buFont typeface="Symbol" panose="05050102010706020507" pitchFamily="18" charset="2"/>
-              <a:buChar char=""/>
-            </a:pPr>
-            <a:r>
-              <a:rPr lang="en-IN" sz="1600" kern="100" dirty="0">
+              <a:t>Mathematical algorithm inspiration etc from </a:t>
+            </a:r>
+            <a:r>
+              <a:rPr lang="en-IN" sz="1800" kern="100" dirty="0" err="1">
                 <a:effectLst/>
                 <a:latin typeface="Calibri" panose="020F0502020204030204" pitchFamily="34" charset="0"/>
                 <a:ea typeface="Calibri" panose="020F0502020204030204" pitchFamily="34" charset="0"/>
                 <a:cs typeface="Times New Roman" panose="02020603050405020304" pitchFamily="18" charset="0"/>
               </a:rPr>
-              <a:t>Mathematical algorithm inspiration etc from </a:t>
-            </a:r>
-            <a:r>
-              <a:rPr lang="en-IN" sz="1600" kern="100" dirty="0" err="1">
+              <a:t>pyTorch</a:t>
+            </a:r>
+            <a:r>
+              <a:rPr lang="en-IN" sz="1800" kern="100" dirty="0">
                 <a:effectLst/>
                 <a:latin typeface="Calibri" panose="020F0502020204030204" pitchFamily="34" charset="0"/>
                 <a:ea typeface="Calibri" panose="020F0502020204030204" pitchFamily="34" charset="0"/>
                 <a:cs typeface="Times New Roman" panose="02020603050405020304" pitchFamily="18" charset="0"/>
               </a:rPr>
-              <a:t>pyTorch</a:t>
-            </a:r>
-            <a:r>
-              <a:rPr lang="en-IN" sz="1600" kern="100" dirty="0">
-                <a:effectLst/>
-                <a:latin typeface="Calibri" panose="020F0502020204030204" pitchFamily="34" charset="0"/>
-                <a:ea typeface="Calibri" panose="020F0502020204030204" pitchFamily="34" charset="0"/>
-                <a:cs typeface="Times New Roman" panose="02020603050405020304" pitchFamily="18" charset="0"/>
-              </a:rPr>
-              <a:t> documentation</a:t>
-            </a:r>
-            <a:br>
-              <a:rPr lang="en-IN" sz="1600" kern="100" dirty="0">
-                <a:effectLst/>
-                <a:latin typeface="Calibri" panose="020F0502020204030204" pitchFamily="34" charset="0"/>
-                <a:ea typeface="Calibri" panose="020F0502020204030204" pitchFamily="34" charset="0"/>
-                <a:cs typeface="Times New Roman" panose="02020603050405020304" pitchFamily="18" charset="0"/>
-              </a:rPr>
-            </a:br>
-            <a:r>
-              <a:rPr lang="en-IN" sz="1600" u="sng" kern="100" dirty="0">
+              <a:t> documentation </a:t>
+            </a:r>
+            <a:r>
+              <a:rPr lang="en-IN" sz="1800" u="sng" kern="100" dirty="0">
                 <a:solidFill>
                   <a:srgbClr val="0563C1"/>
                 </a:solidFill>
@@ -5208,7 +5190,7 @@
               </a:rPr>
               <a:t>https://pytorch.org/docs/stable/index.html</a:t>
             </a:r>
-            <a:endParaRPr lang="en-IN" sz="1400" dirty="0">
+            <a:endParaRPr lang="en-IN" sz="1600" dirty="0">
               <a:effectLst/>
               <a:latin typeface="Cambria" panose="02040503050406030204" pitchFamily="18" charset="0"/>
               <a:ea typeface="MS Mincho" panose="02020609040205080304" pitchFamily="49" charset="-128"/>
@@ -5216,78 +5198,46 @@
             </a:endParaRPr>
           </a:p>
           <a:p>
-            <a:pPr marL="342900" lvl="0" indent="-342900">
+            <a:pPr>
               <a:lnSpc>
                 <a:spcPct val="107000"/>
               </a:lnSpc>
               <a:spcAft>
-                <a:spcPts val="1000"/>
+                <a:spcPts val="800"/>
               </a:spcAft>
-              <a:buFont typeface="Symbol" panose="05050102010706020507" pitchFamily="18" charset="2"/>
-              <a:buChar char=""/>
             </a:pPr>
             <a:r>
-              <a:rPr lang="en-IN" sz="1600" kern="100" dirty="0">
+              <a:rPr lang="en-IN" sz="1800" kern="100" dirty="0">
                 <a:effectLst/>
                 <a:latin typeface="Calibri" panose="020F0502020204030204" pitchFamily="34" charset="0"/>
                 <a:ea typeface="Calibri" panose="020F0502020204030204" pitchFamily="34" charset="0"/>
                 <a:cs typeface="Times New Roman" panose="02020603050405020304" pitchFamily="18" charset="0"/>
               </a:rPr>
-              <a:t>Nearest neighbour interpolation from Wikipedia</a:t>
-            </a:r>
-            <a:endParaRPr lang="en-IN" sz="1400" dirty="0">
+              <a:t>Nearest neighbour interpolation from Wikipedia </a:t>
+            </a:r>
+            <a:r>
+              <a:rPr lang="en-IN" sz="1800" kern="100" dirty="0">
+                <a:effectLst/>
+                <a:latin typeface="Calibri" panose="020F0502020204030204" pitchFamily="34" charset="0"/>
+                <a:ea typeface="Calibri" panose="020F0502020204030204" pitchFamily="34" charset="0"/>
+                <a:cs typeface="Times New Roman" panose="02020603050405020304" pitchFamily="18" charset="0"/>
+                <a:hlinkClick r:id="rId8"/>
+              </a:rPr>
+              <a:t>https://en.wikipedia.org/wiki/Nearest-neighbor_interpolation</a:t>
+            </a:r>
+            <a:endParaRPr lang="en-IN" sz="1600" dirty="0">
               <a:effectLst/>
               <a:latin typeface="Cambria" panose="02040503050406030204" pitchFamily="18" charset="0"/>
               <a:ea typeface="MS Mincho" panose="02020609040205080304" pitchFamily="49" charset="-128"/>
               <a:cs typeface="Times New Roman" panose="02020603050405020304" pitchFamily="18" charset="0"/>
             </a:endParaRPr>
           </a:p>
-          <a:p>
-            <a:pPr marL="457200">
-              <a:lnSpc>
-                <a:spcPct val="107000"/>
-              </a:lnSpc>
-              <a:spcAft>
-                <a:spcPts val="1000"/>
-              </a:spcAft>
-            </a:pPr>
-            <a:r>
-              <a:rPr lang="en-IN" sz="1600" kern="100" dirty="0">
-                <a:effectLst/>
-                <a:latin typeface="Calibri" panose="020F0502020204030204" pitchFamily="34" charset="0"/>
-                <a:ea typeface="Calibri" panose="020F0502020204030204" pitchFamily="34" charset="0"/>
-                <a:cs typeface="Times New Roman" panose="02020603050405020304" pitchFamily="18" charset="0"/>
-                <a:hlinkClick r:id="rId8"/>
-              </a:rPr>
-              <a:t>https://en.wikipedia.org/wiki/Nearest-neighbor_interpolation</a:t>
-            </a:r>
-            <a:endParaRPr lang="en-IN" sz="1400" kern="100" dirty="0">
-              <a:latin typeface="Cambria" panose="02040503050406030204" pitchFamily="18" charset="0"/>
-              <a:ea typeface="MS Mincho" panose="02020609040205080304" pitchFamily="49" charset="-128"/>
-              <a:cs typeface="Times New Roman" panose="02020603050405020304" pitchFamily="18" charset="0"/>
-            </a:endParaRPr>
-          </a:p>
-          <a:p>
-            <a:pPr marL="457200">
-              <a:lnSpc>
-                <a:spcPct val="107000"/>
-              </a:lnSpc>
-              <a:spcAft>
-                <a:spcPts val="1000"/>
-              </a:spcAft>
-            </a:pPr>
-            <a:endParaRPr lang="en-IN" sz="1600" kern="100" dirty="0">
-              <a:latin typeface="Cambria" panose="02040503050406030204" pitchFamily="18" charset="0"/>
-              <a:ea typeface="MS Mincho" panose="02020609040205080304" pitchFamily="49" charset="-128"/>
-              <a:cs typeface="Times New Roman" panose="02020603050405020304" pitchFamily="18" charset="0"/>
-            </a:endParaRPr>
-          </a:p>
         </p:txBody>
       </p:sp>
     </p:spTree>
     <p:extLst>
       <p:ext uri="{BB962C8B-B14F-4D97-AF65-F5344CB8AC3E}">
-        <p14:creationId xmlns:p14="http://schemas.microsoft.com/office/powerpoint/2010/main" val="2765961618"/>
+        <p14:creationId xmlns:p14="http://schemas.microsoft.com/office/powerpoint/2010/main" val="2591397912"/>
       </p:ext>
     </p:extLst>
   </p:cSld>
